--- a/bs05-02-Build-a-Site.pptx
+++ b/bs05-02-Build-a-Site.pptx
@@ -367,7 +367,7 @@
             <a:fld id="{1D8BD707-D9CF-40AE-B4C6-C98DA3205C09}" type="datetimeFigureOut">
               <a:rPr lang="en-US" smtClean="0"/>
               <a:pPr/>
-              <a:t>4/6/2022</a:t>
+              <a:t>4/7/2022</a:t>
             </a:fld>
             <a:endParaRPr lang="en-US" dirty="0"/>
           </a:p>
@@ -547,7 +547,7 @@
             <a:fld id="{1D8BD707-D9CF-40AE-B4C6-C98DA3205C09}" type="datetimeFigureOut">
               <a:rPr lang="en-US" smtClean="0"/>
               <a:pPr/>
-              <a:t>4/6/2022</a:t>
+              <a:t>4/7/2022</a:t>
             </a:fld>
             <a:endParaRPr lang="en-US" dirty="0"/>
           </a:p>
@@ -723,7 +723,7 @@
             <a:fld id="{1D8BD707-D9CF-40AE-B4C6-C98DA3205C09}" type="datetimeFigureOut">
               <a:rPr lang="en-US" smtClean="0"/>
               <a:pPr/>
-              <a:t>4/6/2022</a:t>
+              <a:t>4/7/2022</a:t>
             </a:fld>
             <a:endParaRPr lang="en-US" dirty="0"/>
           </a:p>
@@ -910,7 +910,7 @@
             <a:fld id="{1D8BD707-D9CF-40AE-B4C6-C98DA3205C09}" type="datetimeFigureOut">
               <a:rPr lang="en-US" smtClean="0"/>
               <a:pPr/>
-              <a:t>4/6/2022</a:t>
+              <a:t>4/7/2022</a:t>
             </a:fld>
             <a:endParaRPr lang="en-US" dirty="0"/>
           </a:p>
@@ -1031,7 +1031,7 @@
             <a:fld id="{1D8BD707-D9CF-40AE-B4C6-C98DA3205C09}" type="datetimeFigureOut">
               <a:rPr lang="en-US" smtClean="0"/>
               <a:pPr/>
-              <a:t>4/6/2022</a:t>
+              <a:t>4/7/2022</a:t>
             </a:fld>
             <a:endParaRPr lang="en-US" dirty="0"/>
           </a:p>
@@ -1413,7 +1413,7 @@
             <a:fld id="{1D8BD707-D9CF-40AE-B4C6-C98DA3205C09}" type="datetimeFigureOut">
               <a:rPr lang="en-US" smtClean="0"/>
               <a:pPr/>
-              <a:t>4/6/2022</a:t>
+              <a:t>4/7/2022</a:t>
             </a:fld>
             <a:endParaRPr lang="en-US" dirty="0"/>
           </a:p>
@@ -1852,7 +1852,7 @@
             <a:fld id="{1D8BD707-D9CF-40AE-B4C6-C98DA3205C09}" type="datetimeFigureOut">
               <a:rPr lang="en-US" smtClean="0"/>
               <a:pPr/>
-              <a:t>4/6/2022</a:t>
+              <a:t>4/7/2022</a:t>
             </a:fld>
             <a:endParaRPr lang="en-US" dirty="0"/>
           </a:p>
@@ -1972,7 +1972,7 @@
             <a:fld id="{1D8BD707-D9CF-40AE-B4C6-C98DA3205C09}" type="datetimeFigureOut">
               <a:rPr lang="en-US" smtClean="0"/>
               <a:pPr/>
-              <a:t>4/6/2022</a:t>
+              <a:t>4/7/2022</a:t>
             </a:fld>
             <a:endParaRPr lang="en-US" dirty="0"/>
           </a:p>
@@ -2064,7 +2064,7 @@
             <a:fld id="{1D8BD707-D9CF-40AE-B4C6-C98DA3205C09}" type="datetimeFigureOut">
               <a:rPr lang="en-US" smtClean="0"/>
               <a:pPr/>
-              <a:t>4/6/2022</a:t>
+              <a:t>4/7/2022</a:t>
             </a:fld>
             <a:endParaRPr lang="en-US" dirty="0"/>
           </a:p>
@@ -2350,7 +2350,7 @@
             <a:fld id="{1D8BD707-D9CF-40AE-B4C6-C98DA3205C09}" type="datetimeFigureOut">
               <a:rPr lang="en-US" smtClean="0"/>
               <a:pPr/>
-              <a:t>4/6/2022</a:t>
+              <a:t>4/7/2022</a:t>
             </a:fld>
             <a:endParaRPr lang="en-US" dirty="0"/>
           </a:p>
@@ -2613,7 +2613,7 @@
             <a:fld id="{1D8BD707-D9CF-40AE-B4C6-C98DA3205C09}" type="datetimeFigureOut">
               <a:rPr lang="en-US" smtClean="0"/>
               <a:pPr/>
-              <a:t>4/6/2022</a:t>
+              <a:t>4/7/2022</a:t>
             </a:fld>
             <a:endParaRPr lang="en-US" dirty="0"/>
           </a:p>
@@ -2891,7 +2891,7 @@
             <a:fld id="{1D8BD707-D9CF-40AE-B4C6-C98DA3205C09}" type="datetimeFigureOut">
               <a:rPr lang="en-US" smtClean="0"/>
               <a:pPr/>
-              <a:t>4/6/2022</a:t>
+              <a:t>4/7/2022</a:t>
             </a:fld>
             <a:endParaRPr lang="en-US" dirty="0"/>
           </a:p>
@@ -4979,17 +4979,18 @@
               <a:rPr lang="en-US" sz="3600" dirty="0"/>
             </a:br>
             <a:r>
-              <a:rPr lang="en-US" sz="2800" dirty="0"/>
-              <a:t>data-toggle="modal" data-target="#</a:t>
-            </a:r>
-            <a:r>
-              <a:rPr lang="en-US" sz="2800" dirty="0" err="1"/>
+              <a:rPr lang="en-US" sz="2400" dirty="0"/>
+              <a:t>data-bs-toggle="modal" data-bs-target="#</a:t>
+            </a:r>
+            <a:r>
+              <a:rPr lang="en-US" sz="2400" dirty="0" err="1"/>
               <a:t>exampleModal</a:t>
             </a:r>
             <a:r>
-              <a:rPr lang="en-US" sz="2800" dirty="0"/>
+              <a:rPr lang="en-US" sz="2400" dirty="0"/>
               <a:t>"</a:t>
             </a:r>
+            <a:endParaRPr lang="en-US" sz="2800" dirty="0"/>
           </a:p>
           <a:p>
             <a:pPr algn="r" rtl="1">
@@ -5019,18 +5020,18 @@
             </a:r>
             <a:r>
               <a:rPr lang="en-US" sz="3600" dirty="0"/>
-              <a:t>data-target</a:t>
+              <a:t>data-bs-target</a:t>
             </a:r>
             <a:r>
               <a:rPr lang="he-IL" sz="3600" dirty="0"/>
               <a:t> ל-</a:t>
             </a:r>
             <a:r>
-              <a:rPr lang="en-US" sz="3000" dirty="0"/>
+              <a:rPr lang="en-US" sz="2400" dirty="0"/>
               <a:t>#</a:t>
             </a:r>
             <a:r>
-              <a:rPr lang="en-US" sz="3000" dirty="0" err="1"/>
+              <a:rPr lang="en-US" sz="2400" dirty="0" err="1"/>
               <a:t>getCouponModal</a:t>
             </a:r>
             <a:endParaRPr lang="he-IL" sz="3000" dirty="0"/>
@@ -6226,7 +6227,7 @@
             </a:r>
             <a:r>
               <a:rPr lang="en-US" sz="3600" dirty="0"/>
-              <a:t>site03h.html</a:t>
+              <a:t>site04a.html</a:t>
             </a:r>
             <a:endParaRPr lang="he-IL" sz="3600" dirty="0"/>
           </a:p>
@@ -6887,7 +6888,7 @@
             </a:r>
             <a:r>
               <a:rPr lang="en-US" sz="3600" dirty="0"/>
-              <a:t>site04a.html</a:t>
+              <a:t>site04b.html</a:t>
             </a:r>
             <a:endParaRPr lang="he-IL" sz="3600" dirty="0"/>
           </a:p>
@@ -7152,7 +7153,7 @@
             </a:r>
             <a:r>
               <a:rPr lang="en-US" sz="3600" dirty="0"/>
-              <a:t>site04b.html</a:t>
+              <a:t>site04c.html</a:t>
             </a:r>
             <a:endParaRPr lang="he-IL" sz="3600" dirty="0"/>
           </a:p>
@@ -7360,8 +7361,12 @@
               <a:t>נשמור את הקובץ כ-</a:t>
             </a:r>
             <a:r>
-              <a:rPr lang="en-US" sz="3600" dirty="0"/>
-              <a:t>site04c.html</a:t>
+              <a:rPr lang="en-US" sz="3600"/>
+              <a:t>site04d.</a:t>
+            </a:r>
+            <a:r>
+              <a:rPr lang="en-US" sz="3600" dirty="0"/>
+              <a:t>html</a:t>
             </a:r>
             <a:endParaRPr lang="he-IL" sz="3600" dirty="0"/>
           </a:p>

--- a/bs05-02-Build-a-Site.pptx
+++ b/bs05-02-Build-a-Site.pptx
@@ -367,7 +367,7 @@
             <a:fld id="{1D8BD707-D9CF-40AE-B4C6-C98DA3205C09}" type="datetimeFigureOut">
               <a:rPr lang="en-US" smtClean="0"/>
               <a:pPr/>
-              <a:t>4/7/2022</a:t>
+              <a:t>4/10/2022</a:t>
             </a:fld>
             <a:endParaRPr lang="en-US" dirty="0"/>
           </a:p>
@@ -547,7 +547,7 @@
             <a:fld id="{1D8BD707-D9CF-40AE-B4C6-C98DA3205C09}" type="datetimeFigureOut">
               <a:rPr lang="en-US" smtClean="0"/>
               <a:pPr/>
-              <a:t>4/7/2022</a:t>
+              <a:t>4/10/2022</a:t>
             </a:fld>
             <a:endParaRPr lang="en-US" dirty="0"/>
           </a:p>
@@ -723,7 +723,7 @@
             <a:fld id="{1D8BD707-D9CF-40AE-B4C6-C98DA3205C09}" type="datetimeFigureOut">
               <a:rPr lang="en-US" smtClean="0"/>
               <a:pPr/>
-              <a:t>4/7/2022</a:t>
+              <a:t>4/10/2022</a:t>
             </a:fld>
             <a:endParaRPr lang="en-US" dirty="0"/>
           </a:p>
@@ -910,7 +910,7 @@
             <a:fld id="{1D8BD707-D9CF-40AE-B4C6-C98DA3205C09}" type="datetimeFigureOut">
               <a:rPr lang="en-US" smtClean="0"/>
               <a:pPr/>
-              <a:t>4/7/2022</a:t>
+              <a:t>4/10/2022</a:t>
             </a:fld>
             <a:endParaRPr lang="en-US" dirty="0"/>
           </a:p>
@@ -1031,7 +1031,7 @@
             <a:fld id="{1D8BD707-D9CF-40AE-B4C6-C98DA3205C09}" type="datetimeFigureOut">
               <a:rPr lang="en-US" smtClean="0"/>
               <a:pPr/>
-              <a:t>4/7/2022</a:t>
+              <a:t>4/10/2022</a:t>
             </a:fld>
             <a:endParaRPr lang="en-US" dirty="0"/>
           </a:p>
@@ -1413,7 +1413,7 @@
             <a:fld id="{1D8BD707-D9CF-40AE-B4C6-C98DA3205C09}" type="datetimeFigureOut">
               <a:rPr lang="en-US" smtClean="0"/>
               <a:pPr/>
-              <a:t>4/7/2022</a:t>
+              <a:t>4/10/2022</a:t>
             </a:fld>
             <a:endParaRPr lang="en-US" dirty="0"/>
           </a:p>
@@ -1852,7 +1852,7 @@
             <a:fld id="{1D8BD707-D9CF-40AE-B4C6-C98DA3205C09}" type="datetimeFigureOut">
               <a:rPr lang="en-US" smtClean="0"/>
               <a:pPr/>
-              <a:t>4/7/2022</a:t>
+              <a:t>4/10/2022</a:t>
             </a:fld>
             <a:endParaRPr lang="en-US" dirty="0"/>
           </a:p>
@@ -1972,7 +1972,7 @@
             <a:fld id="{1D8BD707-D9CF-40AE-B4C6-C98DA3205C09}" type="datetimeFigureOut">
               <a:rPr lang="en-US" smtClean="0"/>
               <a:pPr/>
-              <a:t>4/7/2022</a:t>
+              <a:t>4/10/2022</a:t>
             </a:fld>
             <a:endParaRPr lang="en-US" dirty="0"/>
           </a:p>
@@ -2064,7 +2064,7 @@
             <a:fld id="{1D8BD707-D9CF-40AE-B4C6-C98DA3205C09}" type="datetimeFigureOut">
               <a:rPr lang="en-US" smtClean="0"/>
               <a:pPr/>
-              <a:t>4/7/2022</a:t>
+              <a:t>4/10/2022</a:t>
             </a:fld>
             <a:endParaRPr lang="en-US" dirty="0"/>
           </a:p>
@@ -2350,7 +2350,7 @@
             <a:fld id="{1D8BD707-D9CF-40AE-B4C6-C98DA3205C09}" type="datetimeFigureOut">
               <a:rPr lang="en-US" smtClean="0"/>
               <a:pPr/>
-              <a:t>4/7/2022</a:t>
+              <a:t>4/10/2022</a:t>
             </a:fld>
             <a:endParaRPr lang="en-US" dirty="0"/>
           </a:p>
@@ -2613,7 +2613,7 @@
             <a:fld id="{1D8BD707-D9CF-40AE-B4C6-C98DA3205C09}" type="datetimeFigureOut">
               <a:rPr lang="en-US" smtClean="0"/>
               <a:pPr/>
-              <a:t>4/7/2022</a:t>
+              <a:t>4/10/2022</a:t>
             </a:fld>
             <a:endParaRPr lang="en-US" dirty="0"/>
           </a:p>
@@ -2891,7 +2891,7 @@
             <a:fld id="{1D8BD707-D9CF-40AE-B4C6-C98DA3205C09}" type="datetimeFigureOut">
               <a:rPr lang="en-US" smtClean="0"/>
               <a:pPr/>
-              <a:t>4/7/2022</a:t>
+              <a:t>4/10/2022</a:t>
             </a:fld>
             <a:endParaRPr lang="en-US" dirty="0"/>
           </a:p>
@@ -6639,7 +6639,15 @@
             </a:r>
             <a:r>
               <a:rPr lang="he-IL" sz="3600" dirty="0"/>
-              <a:t>הדוגמא הראשונה בלי הכפתור.</a:t>
+              <a:t>הדוגמת ה-</a:t>
+            </a:r>
+            <a:r>
+              <a:rPr lang="en-US" sz="3600" dirty="0"/>
+              <a:t>Large</a:t>
+            </a:r>
+            <a:r>
+              <a:rPr lang="he-IL" sz="3600" dirty="0"/>
+              <a:t> בלי הכפתור.</a:t>
             </a:r>
           </a:p>
           <a:p>
@@ -6669,23 +6677,7 @@
             </a:pPr>
             <a:r>
               <a:rPr lang="he-IL" sz="3600" dirty="0"/>
-              <a:t>נוריד את הקלאס </a:t>
-            </a:r>
-            <a:r>
-              <a:rPr lang="en-US" sz="3600" dirty="0" err="1"/>
-              <a:t>bd</a:t>
-            </a:r>
-            <a:r>
-              <a:rPr lang="en-US" sz="3600" dirty="0"/>
-              <a:t>-example-modal-</a:t>
-            </a:r>
-            <a:r>
-              <a:rPr lang="en-US" sz="3600" dirty="0" err="1"/>
-              <a:t>lg</a:t>
-            </a:r>
-            <a:r>
-              <a:rPr lang="he-IL" sz="3600" dirty="0"/>
-              <a:t> ונוסיף </a:t>
+              <a:t>נוסיף </a:t>
             </a:r>
             <a:r>
               <a:rPr lang="en-US" sz="3600" dirty="0"/>
@@ -6713,7 +6705,7 @@
             </a:r>
             <a:r>
               <a:rPr lang="en-US" sz="3600" dirty="0"/>
-              <a:t>data-target</a:t>
+              <a:t>data-bs-target</a:t>
             </a:r>
             <a:r>
               <a:rPr lang="he-IL" sz="3600" dirty="0"/>
@@ -7212,6 +7204,26 @@
             <a:r>
               <a:rPr lang="en-US" sz="3600" dirty="0"/>
               <a:t> bootstrap modal</a:t>
+            </a:r>
+            <a:endParaRPr lang="he-IL" sz="3600" dirty="0"/>
+          </a:p>
+          <a:p>
+            <a:pPr algn="r" rtl="1">
+              <a:spcBef>
+                <a:spcPts val="0"/>
+              </a:spcBef>
+            </a:pPr>
+            <a:r>
+              <a:rPr lang="he-IL" sz="3600" dirty="0"/>
+              <a:t>יש כבר קישור מהאתר של </a:t>
+            </a:r>
+            <a:r>
+              <a:rPr lang="he-IL" sz="3600" dirty="0" err="1"/>
+              <a:t>בוטסטראפ</a:t>
+            </a:r>
+            <a:r>
+              <a:rPr lang="he-IL" sz="3600"/>
+              <a:t>.</a:t>
             </a:r>
             <a:endParaRPr lang="he-IL" sz="3600" dirty="0"/>
           </a:p>
